--- a/CLASE 2/LOGICA DE PROGRAMACION Clase 2.pptx
+++ b/CLASE 2/LOGICA DE PROGRAMACION Clase 2.pptx
@@ -8650,7 +8650,7 @@
         </p:spPr>
         <p:txBody>
           <a:bodyPr spcFirstLastPara="1" wrap="square" lIns="91425" tIns="91425" rIns="91425" bIns="91425" anchor="t" anchorCtr="0">
-            <a:normAutofit fontScale="55000" lnSpcReduction="20000"/>
+            <a:normAutofit/>
           </a:bodyPr>
           <a:lstStyle/>
           <a:p>
@@ -8818,782 +8818,17 @@
                   <a:schemeClr val="bg1"/>
                 </a:solidFill>
               </a:rPr>
-              <a:t> in devuelve True si el valor especificado no se encuentra en la secuencia, caso contrario devuelve False.</a:t>
+              <a:t> in devuelve True si el valor especificado no se encuentra en la secuencia, caso contrario devuelve False</a:t>
+            </a:r>
+            <a:r>
+              <a:rPr lang="es-419" i="1" dirty="0" smtClean="0">
+                <a:solidFill>
+                  <a:schemeClr val="bg1"/>
+                </a:solidFill>
+              </a:rPr>
+              <a:t>.</a:t>
             </a:r>
             <a:endParaRPr i="1" dirty="0">
-              <a:solidFill>
-                <a:schemeClr val="bg1"/>
-              </a:solidFill>
-            </a:endParaRPr>
-          </a:p>
-          <a:p>
-            <a:pPr marL="0" lvl="0" indent="0" algn="l" rtl="0">
-              <a:spcBef>
-                <a:spcPts val="0"/>
-              </a:spcBef>
-              <a:spcAft>
-                <a:spcPts val="0"/>
-              </a:spcAft>
-              <a:buClr>
-                <a:schemeClr val="dk1"/>
-              </a:buClr>
-              <a:buSzPct val="100000"/>
-              <a:buFont typeface="Arial"/>
-              <a:buNone/>
-            </a:pPr>
-            <a:endParaRPr sz="1100" dirty="0">
-              <a:solidFill>
-                <a:schemeClr val="bg1"/>
-              </a:solidFill>
-            </a:endParaRPr>
-          </a:p>
-          <a:p>
-            <a:pPr marL="0" lvl="0" indent="0" algn="just" rtl="0">
-              <a:lnSpc>
-                <a:spcPct val="138000"/>
-              </a:lnSpc>
-              <a:spcBef>
-                <a:spcPts val="0"/>
-              </a:spcBef>
-              <a:spcAft>
-                <a:spcPts val="0"/>
-              </a:spcAft>
-              <a:buClr>
-                <a:schemeClr val="dk1"/>
-              </a:buClr>
-              <a:buSzPct val="61111"/>
-              <a:buFont typeface="Arial"/>
-              <a:buNone/>
-            </a:pPr>
-            <a:r>
-              <a:rPr lang="es-419" b="1" i="1" dirty="0">
-                <a:solidFill>
-                  <a:schemeClr val="bg1"/>
-                </a:solidFill>
-              </a:rPr>
-              <a:t>a = [1,2,3,4,5]</a:t>
-            </a:r>
-            <a:endParaRPr b="1" i="1" dirty="0">
-              <a:solidFill>
-                <a:schemeClr val="bg1"/>
-              </a:solidFill>
-            </a:endParaRPr>
-          </a:p>
-          <a:p>
-            <a:pPr marL="0" lvl="0" indent="0" algn="just" rtl="0">
-              <a:lnSpc>
-                <a:spcPct val="138000"/>
-              </a:lnSpc>
-              <a:spcBef>
-                <a:spcPts val="0"/>
-              </a:spcBef>
-              <a:spcAft>
-                <a:spcPts val="0"/>
-              </a:spcAft>
-              <a:buClr>
-                <a:schemeClr val="dk1"/>
-              </a:buClr>
-              <a:buSzPct val="61111"/>
-              <a:buFont typeface="Arial"/>
-              <a:buNone/>
-            </a:pPr>
-            <a:r>
-              <a:rPr lang="es-419" b="1" i="1" dirty="0">
-                <a:solidFill>
-                  <a:schemeClr val="bg1"/>
-                </a:solidFill>
-              </a:rPr>
-              <a:t> </a:t>
-            </a:r>
-            <a:endParaRPr b="1" i="1" dirty="0">
-              <a:solidFill>
-                <a:schemeClr val="bg1"/>
-              </a:solidFill>
-            </a:endParaRPr>
-          </a:p>
-          <a:p>
-            <a:pPr marL="0" lvl="0" indent="0" algn="just" rtl="0">
-              <a:lnSpc>
-                <a:spcPct val="138000"/>
-              </a:lnSpc>
-              <a:spcBef>
-                <a:spcPts val="0"/>
-              </a:spcBef>
-              <a:spcAft>
-                <a:spcPts val="0"/>
-              </a:spcAft>
-              <a:buClr>
-                <a:schemeClr val="dk1"/>
-              </a:buClr>
-              <a:buSzPct val="61111"/>
-              <a:buFont typeface="Arial"/>
-              <a:buNone/>
-            </a:pPr>
-            <a:r>
-              <a:rPr lang="es-419" b="1" i="1" dirty="0">
-                <a:solidFill>
-                  <a:schemeClr val="bg1"/>
-                </a:solidFill>
-              </a:rPr>
-              <a:t>#Esta 3 en la lista a?</a:t>
-            </a:r>
-            <a:endParaRPr b="1" i="1" dirty="0">
-              <a:solidFill>
-                <a:schemeClr val="bg1"/>
-              </a:solidFill>
-            </a:endParaRPr>
-          </a:p>
-          <a:p>
-            <a:pPr marL="0" lvl="0" indent="0" algn="just" rtl="0">
-              <a:lnSpc>
-                <a:spcPct val="138000"/>
-              </a:lnSpc>
-              <a:spcBef>
-                <a:spcPts val="0"/>
-              </a:spcBef>
-              <a:spcAft>
-                <a:spcPts val="0"/>
-              </a:spcAft>
-              <a:buClr>
-                <a:schemeClr val="dk1"/>
-              </a:buClr>
-              <a:buSzPct val="61111"/>
-              <a:buFont typeface="Arial"/>
-              <a:buNone/>
-            </a:pPr>
-            <a:r>
-              <a:rPr lang="es-419" b="1" i="1" dirty="0" err="1">
-                <a:solidFill>
-                  <a:schemeClr val="bg1"/>
-                </a:solidFill>
-              </a:rPr>
-              <a:t>print</a:t>
-            </a:r>
-            <a:r>
-              <a:rPr lang="es-419" b="1" i="1" dirty="0">
-                <a:solidFill>
-                  <a:schemeClr val="bg1"/>
-                </a:solidFill>
-              </a:rPr>
-              <a:t> 3 in a # Muestra True </a:t>
-            </a:r>
-            <a:endParaRPr b="1" i="1" dirty="0">
-              <a:solidFill>
-                <a:schemeClr val="bg1"/>
-              </a:solidFill>
-            </a:endParaRPr>
-          </a:p>
-          <a:p>
-            <a:pPr marL="0" lvl="0" indent="0" algn="just" rtl="0">
-              <a:lnSpc>
-                <a:spcPct val="138000"/>
-              </a:lnSpc>
-              <a:spcBef>
-                <a:spcPts val="0"/>
-              </a:spcBef>
-              <a:spcAft>
-                <a:spcPts val="0"/>
-              </a:spcAft>
-              <a:buClr>
-                <a:schemeClr val="dk1"/>
-              </a:buClr>
-              <a:buSzPct val="61111"/>
-              <a:buFont typeface="Arial"/>
-              <a:buNone/>
-            </a:pPr>
-            <a:r>
-              <a:rPr lang="es-419" b="1" i="1" dirty="0">
-                <a:solidFill>
-                  <a:schemeClr val="bg1"/>
-                </a:solidFill>
-              </a:rPr>
-              <a:t>#No está 12 en la lista a?</a:t>
-            </a:r>
-            <a:endParaRPr b="1" i="1" dirty="0">
-              <a:solidFill>
-                <a:schemeClr val="bg1"/>
-              </a:solidFill>
-            </a:endParaRPr>
-          </a:p>
-          <a:p>
-            <a:pPr marL="0" lvl="0" indent="0" algn="just" rtl="0">
-              <a:lnSpc>
-                <a:spcPct val="138000"/>
-              </a:lnSpc>
-              <a:spcBef>
-                <a:spcPts val="0"/>
-              </a:spcBef>
-              <a:spcAft>
-                <a:spcPts val="0"/>
-              </a:spcAft>
-              <a:buClr>
-                <a:schemeClr val="dk1"/>
-              </a:buClr>
-              <a:buSzPct val="61111"/>
-              <a:buFont typeface="Arial"/>
-              <a:buNone/>
-            </a:pPr>
-            <a:r>
-              <a:rPr lang="es-419" b="1" i="1" dirty="0" err="1">
-                <a:solidFill>
-                  <a:schemeClr val="bg1"/>
-                </a:solidFill>
-              </a:rPr>
-              <a:t>print</a:t>
-            </a:r>
-            <a:r>
-              <a:rPr lang="es-419" b="1" i="1" dirty="0">
-                <a:solidFill>
-                  <a:schemeClr val="bg1"/>
-                </a:solidFill>
-              </a:rPr>
-              <a:t> 12 </a:t>
-            </a:r>
-            <a:r>
-              <a:rPr lang="es-419" b="1" i="1" dirty="0" err="1">
-                <a:solidFill>
-                  <a:schemeClr val="bg1"/>
-                </a:solidFill>
-              </a:rPr>
-              <a:t>not</a:t>
-            </a:r>
-            <a:r>
-              <a:rPr lang="es-419" b="1" i="1" dirty="0">
-                <a:solidFill>
-                  <a:schemeClr val="bg1"/>
-                </a:solidFill>
-              </a:rPr>
-              <a:t> in a # Muestra True</a:t>
-            </a:r>
-            <a:endParaRPr b="1" i="1" dirty="0">
-              <a:solidFill>
-                <a:schemeClr val="bg1"/>
-              </a:solidFill>
-            </a:endParaRPr>
-          </a:p>
-          <a:p>
-            <a:pPr marL="0" lvl="0" indent="0" algn="just" rtl="0">
-              <a:lnSpc>
-                <a:spcPct val="138000"/>
-              </a:lnSpc>
-              <a:spcBef>
-                <a:spcPts val="0"/>
-              </a:spcBef>
-              <a:spcAft>
-                <a:spcPts val="0"/>
-              </a:spcAft>
-              <a:buClr>
-                <a:schemeClr val="dk1"/>
-              </a:buClr>
-              <a:buSzPct val="61111"/>
-              <a:buFont typeface="Arial"/>
-              <a:buNone/>
-            </a:pPr>
-            <a:r>
-              <a:rPr lang="es-419" b="1" i="1" dirty="0">
-                <a:solidFill>
-                  <a:schemeClr val="bg1"/>
-                </a:solidFill>
-              </a:rPr>
-              <a:t>  </a:t>
-            </a:r>
-            <a:endParaRPr b="1" i="1" dirty="0">
-              <a:solidFill>
-                <a:schemeClr val="bg1"/>
-              </a:solidFill>
-            </a:endParaRPr>
-          </a:p>
-          <a:p>
-            <a:pPr marL="0" lvl="0" indent="0" algn="just" rtl="0">
-              <a:lnSpc>
-                <a:spcPct val="138000"/>
-              </a:lnSpc>
-              <a:spcBef>
-                <a:spcPts val="0"/>
-              </a:spcBef>
-              <a:spcAft>
-                <a:spcPts val="0"/>
-              </a:spcAft>
-              <a:buClr>
-                <a:schemeClr val="dk1"/>
-              </a:buClr>
-              <a:buSzPct val="61111"/>
-              <a:buFont typeface="Arial"/>
-              <a:buNone/>
-            </a:pPr>
-            <a:r>
-              <a:rPr lang="es-419" b="1" i="1" dirty="0" err="1">
-                <a:solidFill>
-                  <a:schemeClr val="bg1"/>
-                </a:solidFill>
-              </a:rPr>
-              <a:t>str</a:t>
-            </a:r>
-            <a:r>
-              <a:rPr lang="es-419" b="1" i="1" dirty="0">
-                <a:solidFill>
-                  <a:schemeClr val="bg1"/>
-                </a:solidFill>
-              </a:rPr>
-              <a:t> = "</a:t>
-            </a:r>
-            <a:r>
-              <a:rPr lang="es-419" b="1" i="1" dirty="0" err="1">
-                <a:solidFill>
-                  <a:schemeClr val="bg1"/>
-                </a:solidFill>
-              </a:rPr>
-              <a:t>Hello</a:t>
-            </a:r>
-            <a:r>
-              <a:rPr lang="es-419" b="1" i="1" dirty="0">
-                <a:solidFill>
-                  <a:schemeClr val="bg1"/>
-                </a:solidFill>
-              </a:rPr>
-              <a:t> </a:t>
-            </a:r>
-            <a:r>
-              <a:rPr lang="es-419" b="1" i="1" dirty="0" err="1">
-                <a:solidFill>
-                  <a:schemeClr val="bg1"/>
-                </a:solidFill>
-              </a:rPr>
-              <a:t>World</a:t>
-            </a:r>
-            <a:r>
-              <a:rPr lang="es-419" b="1" i="1" dirty="0">
-                <a:solidFill>
-                  <a:schemeClr val="bg1"/>
-                </a:solidFill>
-              </a:rPr>
-              <a:t>"</a:t>
-            </a:r>
-            <a:endParaRPr b="1" i="1" dirty="0">
-              <a:solidFill>
-                <a:schemeClr val="bg1"/>
-              </a:solidFill>
-            </a:endParaRPr>
-          </a:p>
-          <a:p>
-            <a:pPr marL="0" lvl="0" indent="0" algn="just" rtl="0">
-              <a:lnSpc>
-                <a:spcPct val="138000"/>
-              </a:lnSpc>
-              <a:spcBef>
-                <a:spcPts val="0"/>
-              </a:spcBef>
-              <a:spcAft>
-                <a:spcPts val="0"/>
-              </a:spcAft>
-              <a:buClr>
-                <a:schemeClr val="dk1"/>
-              </a:buClr>
-              <a:buSzPct val="61111"/>
-              <a:buFont typeface="Arial"/>
-              <a:buNone/>
-            </a:pPr>
-            <a:r>
-              <a:rPr lang="es-419" b="1" i="1" dirty="0">
-                <a:solidFill>
-                  <a:schemeClr val="bg1"/>
-                </a:solidFill>
-              </a:rPr>
-              <a:t>  </a:t>
-            </a:r>
-            <a:endParaRPr b="1" i="1" dirty="0">
-              <a:solidFill>
-                <a:schemeClr val="bg1"/>
-              </a:solidFill>
-            </a:endParaRPr>
-          </a:p>
-          <a:p>
-            <a:pPr marL="0" lvl="0" indent="0" algn="just" rtl="0">
-              <a:lnSpc>
-                <a:spcPct val="138000"/>
-              </a:lnSpc>
-              <a:spcBef>
-                <a:spcPts val="0"/>
-              </a:spcBef>
-              <a:spcAft>
-                <a:spcPts val="0"/>
-              </a:spcAft>
-              <a:buClr>
-                <a:schemeClr val="dk1"/>
-              </a:buClr>
-              <a:buSzPct val="61111"/>
-              <a:buFont typeface="Arial"/>
-              <a:buNone/>
-            </a:pPr>
-            <a:r>
-              <a:rPr lang="es-419" b="1" i="1" dirty="0">
-                <a:solidFill>
-                  <a:schemeClr val="bg1"/>
-                </a:solidFill>
-              </a:rPr>
-              <a:t>#Contiene </a:t>
-            </a:r>
-            <a:r>
-              <a:rPr lang="es-419" b="1" i="1" dirty="0" err="1">
-                <a:solidFill>
-                  <a:schemeClr val="bg1"/>
-                </a:solidFill>
-              </a:rPr>
-              <a:t>World</a:t>
-            </a:r>
-            <a:r>
-              <a:rPr lang="es-419" b="1" i="1" dirty="0">
-                <a:solidFill>
-                  <a:schemeClr val="bg1"/>
-                </a:solidFill>
-              </a:rPr>
-              <a:t> el </a:t>
-            </a:r>
-            <a:r>
-              <a:rPr lang="es-419" b="1" i="1" dirty="0" err="1">
-                <a:solidFill>
-                  <a:schemeClr val="bg1"/>
-                </a:solidFill>
-              </a:rPr>
-              <a:t>string</a:t>
-            </a:r>
-            <a:r>
-              <a:rPr lang="es-419" b="1" i="1" dirty="0">
-                <a:solidFill>
-                  <a:schemeClr val="bg1"/>
-                </a:solidFill>
-              </a:rPr>
-              <a:t> </a:t>
-            </a:r>
-            <a:r>
-              <a:rPr lang="es-419" b="1" i="1" dirty="0" err="1">
-                <a:solidFill>
-                  <a:schemeClr val="bg1"/>
-                </a:solidFill>
-              </a:rPr>
-              <a:t>str</a:t>
-            </a:r>
-            <a:r>
-              <a:rPr lang="es-419" b="1" i="1" dirty="0">
-                <a:solidFill>
-                  <a:schemeClr val="bg1"/>
-                </a:solidFill>
-              </a:rPr>
-              <a:t>?</a:t>
-            </a:r>
-            <a:endParaRPr b="1" i="1" dirty="0">
-              <a:solidFill>
-                <a:schemeClr val="bg1"/>
-              </a:solidFill>
-            </a:endParaRPr>
-          </a:p>
-          <a:p>
-            <a:pPr marL="0" lvl="0" indent="0" algn="just" rtl="0">
-              <a:lnSpc>
-                <a:spcPct val="138000"/>
-              </a:lnSpc>
-              <a:spcBef>
-                <a:spcPts val="0"/>
-              </a:spcBef>
-              <a:spcAft>
-                <a:spcPts val="0"/>
-              </a:spcAft>
-              <a:buClr>
-                <a:schemeClr val="dk1"/>
-              </a:buClr>
-              <a:buSzPct val="61111"/>
-              <a:buFont typeface="Arial"/>
-              <a:buNone/>
-            </a:pPr>
-            <a:r>
-              <a:rPr lang="es-419" b="1" i="1" dirty="0" err="1">
-                <a:solidFill>
-                  <a:schemeClr val="bg1"/>
-                </a:solidFill>
-              </a:rPr>
-              <a:t>print</a:t>
-            </a:r>
-            <a:r>
-              <a:rPr lang="es-419" b="1" i="1" dirty="0">
-                <a:solidFill>
-                  <a:schemeClr val="bg1"/>
-                </a:solidFill>
-              </a:rPr>
-              <a:t> "</a:t>
-            </a:r>
-            <a:r>
-              <a:rPr lang="es-419" b="1" i="1" dirty="0" err="1">
-                <a:solidFill>
-                  <a:schemeClr val="bg1"/>
-                </a:solidFill>
-              </a:rPr>
-              <a:t>World</a:t>
-            </a:r>
-            <a:r>
-              <a:rPr lang="es-419" b="1" i="1" dirty="0">
-                <a:solidFill>
-                  <a:schemeClr val="bg1"/>
-                </a:solidFill>
-              </a:rPr>
-              <a:t>" in </a:t>
-            </a:r>
-            <a:r>
-              <a:rPr lang="es-419" b="1" i="1" dirty="0" err="1">
-                <a:solidFill>
-                  <a:schemeClr val="bg1"/>
-                </a:solidFill>
-              </a:rPr>
-              <a:t>str</a:t>
-            </a:r>
-            <a:r>
-              <a:rPr lang="es-419" b="1" i="1" dirty="0">
-                <a:solidFill>
-                  <a:schemeClr val="bg1"/>
-                </a:solidFill>
-              </a:rPr>
-              <a:t> # Muestra True</a:t>
-            </a:r>
-            <a:endParaRPr b="1" i="1" dirty="0">
-              <a:solidFill>
-                <a:schemeClr val="bg1"/>
-              </a:solidFill>
-            </a:endParaRPr>
-          </a:p>
-          <a:p>
-            <a:pPr marL="0" lvl="0" indent="0" algn="just" rtl="0">
-              <a:lnSpc>
-                <a:spcPct val="138000"/>
-              </a:lnSpc>
-              <a:spcBef>
-                <a:spcPts val="0"/>
-              </a:spcBef>
-              <a:spcAft>
-                <a:spcPts val="0"/>
-              </a:spcAft>
-              <a:buClr>
-                <a:schemeClr val="dk1"/>
-              </a:buClr>
-              <a:buSzPct val="61111"/>
-              <a:buFont typeface="Arial"/>
-              <a:buNone/>
-            </a:pPr>
-            <a:r>
-              <a:rPr lang="es-419" b="1" i="1" dirty="0">
-                <a:solidFill>
-                  <a:schemeClr val="bg1"/>
-                </a:solidFill>
-              </a:rPr>
-              <a:t>#Contiene </a:t>
-            </a:r>
-            <a:r>
-              <a:rPr lang="es-419" b="1" i="1" dirty="0" err="1">
-                <a:solidFill>
-                  <a:schemeClr val="bg1"/>
-                </a:solidFill>
-              </a:rPr>
-              <a:t>world</a:t>
-            </a:r>
-            <a:r>
-              <a:rPr lang="es-419" b="1" i="1" dirty="0">
-                <a:solidFill>
-                  <a:schemeClr val="bg1"/>
-                </a:solidFill>
-              </a:rPr>
-              <a:t> el </a:t>
-            </a:r>
-            <a:r>
-              <a:rPr lang="es-419" b="1" i="1" dirty="0" err="1">
-                <a:solidFill>
-                  <a:schemeClr val="bg1"/>
-                </a:solidFill>
-              </a:rPr>
-              <a:t>string</a:t>
-            </a:r>
-            <a:r>
-              <a:rPr lang="es-419" b="1" i="1" dirty="0">
-                <a:solidFill>
-                  <a:schemeClr val="bg1"/>
-                </a:solidFill>
-              </a:rPr>
-              <a:t> </a:t>
-            </a:r>
-            <a:r>
-              <a:rPr lang="es-419" b="1" i="1" dirty="0" err="1">
-                <a:solidFill>
-                  <a:schemeClr val="bg1"/>
-                </a:solidFill>
-              </a:rPr>
-              <a:t>str</a:t>
-            </a:r>
-            <a:r>
-              <a:rPr lang="es-419" b="1" i="1" dirty="0">
-                <a:solidFill>
-                  <a:schemeClr val="bg1"/>
-                </a:solidFill>
-              </a:rPr>
-              <a:t>? (nota: distingue mayúsculas y minúsculas)</a:t>
-            </a:r>
-            <a:endParaRPr b="1" i="1" dirty="0">
-              <a:solidFill>
-                <a:schemeClr val="bg1"/>
-              </a:solidFill>
-            </a:endParaRPr>
-          </a:p>
-          <a:p>
-            <a:pPr marL="0" lvl="0" indent="0" algn="just" rtl="0">
-              <a:lnSpc>
-                <a:spcPct val="138000"/>
-              </a:lnSpc>
-              <a:spcBef>
-                <a:spcPts val="0"/>
-              </a:spcBef>
-              <a:spcAft>
-                <a:spcPts val="0"/>
-              </a:spcAft>
-              <a:buClr>
-                <a:schemeClr val="dk1"/>
-              </a:buClr>
-              <a:buSzPct val="100000"/>
-              <a:buFont typeface="Arial"/>
-              <a:buNone/>
-            </a:pPr>
-            <a:r>
-              <a:rPr lang="es-419" b="1" i="1" dirty="0" err="1">
-                <a:solidFill>
-                  <a:schemeClr val="bg1"/>
-                </a:solidFill>
-              </a:rPr>
-              <a:t>print</a:t>
-            </a:r>
-            <a:r>
-              <a:rPr lang="es-419" b="1" i="1" dirty="0">
-                <a:solidFill>
-                  <a:schemeClr val="bg1"/>
-                </a:solidFill>
-              </a:rPr>
-              <a:t> "</a:t>
-            </a:r>
-            <a:r>
-              <a:rPr lang="es-419" b="1" i="1" dirty="0" err="1">
-                <a:solidFill>
-                  <a:schemeClr val="bg1"/>
-                </a:solidFill>
-              </a:rPr>
-              <a:t>world</a:t>
-            </a:r>
-            <a:r>
-              <a:rPr lang="es-419" b="1" i="1" dirty="0">
-                <a:solidFill>
-                  <a:schemeClr val="bg1"/>
-                </a:solidFill>
-              </a:rPr>
-              <a:t>" in </a:t>
-            </a:r>
-            <a:r>
-              <a:rPr lang="es-419" b="1" i="1" dirty="0" err="1">
-                <a:solidFill>
-                  <a:schemeClr val="bg1"/>
-                </a:solidFill>
-              </a:rPr>
-              <a:t>str</a:t>
-            </a:r>
-            <a:r>
-              <a:rPr lang="es-419" b="1" i="1" dirty="0">
-                <a:solidFill>
-                  <a:schemeClr val="bg1"/>
-                </a:solidFill>
-              </a:rPr>
-              <a:t> # Muestra False</a:t>
-            </a:r>
-            <a:endParaRPr sz="1100" dirty="0">
-              <a:solidFill>
-                <a:schemeClr val="bg1"/>
-              </a:solidFill>
-            </a:endParaRPr>
-          </a:p>
-          <a:p>
-            <a:pPr marL="0" lvl="0" indent="0" algn="just" rtl="0">
-              <a:lnSpc>
-                <a:spcPct val="138000"/>
-              </a:lnSpc>
-              <a:spcBef>
-                <a:spcPts val="0"/>
-              </a:spcBef>
-              <a:spcAft>
-                <a:spcPts val="0"/>
-              </a:spcAft>
-              <a:buClr>
-                <a:schemeClr val="dk1"/>
-              </a:buClr>
-              <a:buSzPct val="61111"/>
-              <a:buFont typeface="Arial"/>
-              <a:buNone/>
-            </a:pPr>
-            <a:r>
-              <a:rPr lang="es-419" b="1" i="1" dirty="0" err="1">
-                <a:solidFill>
-                  <a:schemeClr val="bg1"/>
-                </a:solidFill>
-              </a:rPr>
-              <a:t>print</a:t>
-            </a:r>
-            <a:r>
-              <a:rPr lang="es-419" b="1" i="1" dirty="0">
-                <a:solidFill>
-                  <a:schemeClr val="bg1"/>
-                </a:solidFill>
-              </a:rPr>
-              <a:t> "</a:t>
-            </a:r>
-            <a:r>
-              <a:rPr lang="es-419" b="1" i="1" dirty="0" err="1">
-                <a:solidFill>
-                  <a:schemeClr val="bg1"/>
-                </a:solidFill>
-              </a:rPr>
-              <a:t>code</a:t>
-            </a:r>
-            <a:r>
-              <a:rPr lang="es-419" b="1" i="1" dirty="0">
-                <a:solidFill>
-                  <a:schemeClr val="bg1"/>
-                </a:solidFill>
-              </a:rPr>
-              <a:t>" </a:t>
-            </a:r>
-            <a:r>
-              <a:rPr lang="es-419" b="1" i="1" dirty="0" err="1">
-                <a:solidFill>
-                  <a:schemeClr val="bg1"/>
-                </a:solidFill>
-              </a:rPr>
-              <a:t>not</a:t>
-            </a:r>
-            <a:r>
-              <a:rPr lang="es-419" b="1" i="1" dirty="0">
-                <a:solidFill>
-                  <a:schemeClr val="bg1"/>
-                </a:solidFill>
-              </a:rPr>
-              <a:t> in </a:t>
-            </a:r>
-            <a:r>
-              <a:rPr lang="es-419" b="1" i="1" dirty="0" err="1">
-                <a:solidFill>
-                  <a:schemeClr val="bg1"/>
-                </a:solidFill>
-              </a:rPr>
-              <a:t>str</a:t>
-            </a:r>
-            <a:r>
-              <a:rPr lang="es-419" b="1" i="1" dirty="0">
-                <a:solidFill>
-                  <a:schemeClr val="bg1"/>
-                </a:solidFill>
-              </a:rPr>
-              <a:t> # Muestra True</a:t>
-            </a:r>
-            <a:endParaRPr dirty="0">
               <a:solidFill>
                 <a:schemeClr val="bg1"/>
               </a:solidFill>
@@ -9703,7 +8938,7 @@
         </p:spPr>
         <p:txBody>
           <a:bodyPr spcFirstLastPara="1" wrap="square" lIns="91425" tIns="91425" rIns="91425" bIns="91425" anchor="t" anchorCtr="0">
-            <a:normAutofit fontScale="47500" lnSpcReduction="20000"/>
+            <a:normAutofit/>
           </a:bodyPr>
           <a:lstStyle/>
           <a:p>
@@ -9968,753 +9203,23 @@
                   <a:schemeClr val="bg1"/>
                 </a:solidFill>
               </a:rPr>
-              <a:t>Ten en cuenta que dos valores, cuando son iguales, no implica necesariamente que sean idénticos.</a:t>
-            </a:r>
-            <a:endParaRPr dirty="0">
-              <a:solidFill>
-                <a:schemeClr val="bg1"/>
-              </a:solidFill>
-            </a:endParaRPr>
-          </a:p>
-          <a:p>
-            <a:pPr marL="0" lvl="0" indent="0" algn="just" rtl="0">
-              <a:spcBef>
-                <a:spcPts val="0"/>
-              </a:spcBef>
-              <a:spcAft>
-                <a:spcPts val="0"/>
-              </a:spcAft>
-              <a:buClr>
-                <a:schemeClr val="dk1"/>
-              </a:buClr>
-              <a:buSzPct val="61111"/>
-              <a:buFont typeface="Arial"/>
-              <a:buNone/>
-            </a:pPr>
-            <a:endParaRPr dirty="0">
-              <a:solidFill>
-                <a:schemeClr val="bg1"/>
-              </a:solidFill>
-            </a:endParaRPr>
-          </a:p>
-          <a:p>
-            <a:pPr marL="0" lvl="0" indent="0" algn="just" rtl="0">
-              <a:spcBef>
-                <a:spcPts val="0"/>
-              </a:spcBef>
-              <a:spcAft>
-                <a:spcPts val="0"/>
-              </a:spcAft>
-              <a:buClr>
-                <a:schemeClr val="dk1"/>
-              </a:buClr>
-              <a:buSzPct val="61111"/>
-              <a:buFont typeface="Arial"/>
-              <a:buNone/>
-            </a:pPr>
-            <a:r>
-              <a:rPr lang="es-419" b="1" i="1" dirty="0">
-                <a:solidFill>
-                  <a:schemeClr val="bg1"/>
-                </a:solidFill>
-              </a:rPr>
-              <a:t>a = 3</a:t>
-            </a:r>
-            <a:endParaRPr b="1" i="1" dirty="0">
-              <a:solidFill>
-                <a:schemeClr val="bg1"/>
-              </a:solidFill>
-            </a:endParaRPr>
-          </a:p>
-          <a:p>
-            <a:pPr marL="0" lvl="0" indent="0" algn="just" rtl="0">
-              <a:spcBef>
-                <a:spcPts val="0"/>
-              </a:spcBef>
-              <a:spcAft>
-                <a:spcPts val="0"/>
-              </a:spcAft>
-              <a:buClr>
-                <a:schemeClr val="dk1"/>
-              </a:buClr>
-              <a:buSzPct val="61111"/>
-              <a:buFont typeface="Arial"/>
-              <a:buNone/>
-            </a:pPr>
-            <a:r>
-              <a:rPr lang="es-419" b="1" i="1" dirty="0">
-                <a:solidFill>
-                  <a:schemeClr val="bg1"/>
-                </a:solidFill>
-              </a:rPr>
-              <a:t>b = 3  </a:t>
-            </a:r>
-            <a:endParaRPr b="1" i="1" dirty="0">
-              <a:solidFill>
-                <a:schemeClr val="bg1"/>
-              </a:solidFill>
-            </a:endParaRPr>
-          </a:p>
-          <a:p>
-            <a:pPr marL="0" lvl="0" indent="0" algn="just" rtl="0">
-              <a:spcBef>
-                <a:spcPts val="0"/>
-              </a:spcBef>
-              <a:spcAft>
-                <a:spcPts val="0"/>
-              </a:spcAft>
-              <a:buClr>
-                <a:schemeClr val="dk1"/>
-              </a:buClr>
-              <a:buSzPct val="61111"/>
-              <a:buFont typeface="Arial"/>
-              <a:buNone/>
-            </a:pPr>
-            <a:r>
-              <a:rPr lang="es-419" b="1" i="1" dirty="0">
-                <a:solidFill>
-                  <a:schemeClr val="bg1"/>
-                </a:solidFill>
-              </a:rPr>
-              <a:t>c = 4</a:t>
-            </a:r>
-            <a:endParaRPr b="1" i="1" dirty="0">
-              <a:solidFill>
-                <a:schemeClr val="bg1"/>
-              </a:solidFill>
-            </a:endParaRPr>
-          </a:p>
-          <a:p>
-            <a:pPr marL="0" lvl="0" indent="0" algn="just" rtl="0">
-              <a:spcBef>
-                <a:spcPts val="0"/>
-              </a:spcBef>
-              <a:spcAft>
-                <a:spcPts val="0"/>
-              </a:spcAft>
-              <a:buClr>
-                <a:schemeClr val="dk1"/>
-              </a:buClr>
-              <a:buSzPct val="61111"/>
-              <a:buFont typeface="Arial"/>
-              <a:buNone/>
-            </a:pPr>
-            <a:r>
-              <a:rPr lang="es-419" b="1" i="1" dirty="0" err="1">
-                <a:solidFill>
-                  <a:schemeClr val="bg1"/>
-                </a:solidFill>
-              </a:rPr>
-              <a:t>print</a:t>
-            </a:r>
-            <a:r>
-              <a:rPr lang="es-419" b="1" i="1" dirty="0">
-                <a:solidFill>
-                  <a:schemeClr val="bg1"/>
-                </a:solidFill>
-              </a:rPr>
-              <a:t> a </a:t>
-            </a:r>
-            <a:r>
-              <a:rPr lang="es-419" b="1" i="1" dirty="0" err="1">
-                <a:solidFill>
-                  <a:schemeClr val="bg1"/>
-                </a:solidFill>
-              </a:rPr>
-              <a:t>is</a:t>
-            </a:r>
-            <a:r>
-              <a:rPr lang="es-419" b="1" i="1" dirty="0">
-                <a:solidFill>
-                  <a:schemeClr val="bg1"/>
-                </a:solidFill>
-              </a:rPr>
-              <a:t> b # muestra True</a:t>
-            </a:r>
-            <a:endParaRPr b="1" i="1" dirty="0">
-              <a:solidFill>
-                <a:schemeClr val="bg1"/>
-              </a:solidFill>
-            </a:endParaRPr>
-          </a:p>
-          <a:p>
-            <a:pPr marL="0" lvl="0" indent="0" algn="just" rtl="0">
-              <a:spcBef>
-                <a:spcPts val="0"/>
-              </a:spcBef>
-              <a:spcAft>
-                <a:spcPts val="0"/>
-              </a:spcAft>
-              <a:buClr>
-                <a:schemeClr val="dk1"/>
-              </a:buClr>
-              <a:buSzPct val="61111"/>
-              <a:buFont typeface="Arial"/>
-              <a:buNone/>
-            </a:pPr>
-            <a:r>
-              <a:rPr lang="es-419" b="1" i="1" dirty="0" err="1">
-                <a:solidFill>
-                  <a:schemeClr val="bg1"/>
-                </a:solidFill>
-              </a:rPr>
-              <a:t>print</a:t>
-            </a:r>
-            <a:r>
-              <a:rPr lang="es-419" b="1" i="1" dirty="0">
-                <a:solidFill>
-                  <a:schemeClr val="bg1"/>
-                </a:solidFill>
-              </a:rPr>
-              <a:t> a </a:t>
-            </a:r>
-            <a:r>
-              <a:rPr lang="es-419" b="1" i="1" dirty="0" err="1">
-                <a:solidFill>
-                  <a:schemeClr val="bg1"/>
-                </a:solidFill>
-              </a:rPr>
-              <a:t>is</a:t>
-            </a:r>
-            <a:r>
-              <a:rPr lang="es-419" b="1" i="1" dirty="0">
-                <a:solidFill>
-                  <a:schemeClr val="bg1"/>
-                </a:solidFill>
-              </a:rPr>
-              <a:t> </a:t>
-            </a:r>
-            <a:r>
-              <a:rPr lang="es-419" b="1" i="1" dirty="0" err="1">
-                <a:solidFill>
-                  <a:schemeClr val="bg1"/>
-                </a:solidFill>
-              </a:rPr>
-              <a:t>not</a:t>
-            </a:r>
-            <a:r>
-              <a:rPr lang="es-419" b="1" i="1" dirty="0">
-                <a:solidFill>
-                  <a:schemeClr val="bg1"/>
-                </a:solidFill>
-              </a:rPr>
-              <a:t> b # muestra False</a:t>
-            </a:r>
-            <a:endParaRPr b="1" i="1" dirty="0">
-              <a:solidFill>
-                <a:schemeClr val="bg1"/>
-              </a:solidFill>
-            </a:endParaRPr>
-          </a:p>
-          <a:p>
-            <a:pPr marL="0" lvl="0" indent="0" algn="just" rtl="0">
-              <a:spcBef>
-                <a:spcPts val="0"/>
-              </a:spcBef>
-              <a:spcAft>
-                <a:spcPts val="0"/>
-              </a:spcAft>
-              <a:buClr>
-                <a:schemeClr val="dk1"/>
-              </a:buClr>
-              <a:buSzPct val="61111"/>
-              <a:buFont typeface="Arial"/>
-              <a:buNone/>
-            </a:pPr>
-            <a:r>
-              <a:rPr lang="es-419" b="1" i="1" dirty="0" err="1">
-                <a:solidFill>
-                  <a:schemeClr val="bg1"/>
-                </a:solidFill>
-              </a:rPr>
-              <a:t>print</a:t>
-            </a:r>
-            <a:r>
-              <a:rPr lang="es-419" b="1" i="1" dirty="0">
-                <a:solidFill>
-                  <a:schemeClr val="bg1"/>
-                </a:solidFill>
-              </a:rPr>
-              <a:t> a </a:t>
-            </a:r>
-            <a:r>
-              <a:rPr lang="es-419" b="1" i="1" dirty="0" err="1">
-                <a:solidFill>
-                  <a:schemeClr val="bg1"/>
-                </a:solidFill>
-              </a:rPr>
-              <a:t>is</a:t>
-            </a:r>
-            <a:r>
-              <a:rPr lang="es-419" b="1" i="1" dirty="0">
-                <a:solidFill>
-                  <a:schemeClr val="bg1"/>
-                </a:solidFill>
-              </a:rPr>
-              <a:t> </a:t>
-            </a:r>
-            <a:r>
-              <a:rPr lang="es-419" b="1" i="1" dirty="0" err="1">
-                <a:solidFill>
-                  <a:schemeClr val="bg1"/>
-                </a:solidFill>
-              </a:rPr>
-              <a:t>not</a:t>
-            </a:r>
-            <a:r>
-              <a:rPr lang="es-419" b="1" i="1" dirty="0">
-                <a:solidFill>
-                  <a:schemeClr val="bg1"/>
-                </a:solidFill>
-              </a:rPr>
-              <a:t> c # muestra True</a:t>
-            </a:r>
-            <a:endParaRPr b="1" i="1" dirty="0">
-              <a:solidFill>
-                <a:schemeClr val="bg1"/>
-              </a:solidFill>
-            </a:endParaRPr>
-          </a:p>
-          <a:p>
-            <a:pPr marL="0" lvl="0" indent="0" algn="just" rtl="0">
-              <a:spcBef>
-                <a:spcPts val="0"/>
-              </a:spcBef>
-              <a:spcAft>
-                <a:spcPts val="0"/>
-              </a:spcAft>
-              <a:buClr>
-                <a:schemeClr val="dk1"/>
-              </a:buClr>
-              <a:buSzPct val="61111"/>
-              <a:buFont typeface="Arial"/>
-              <a:buNone/>
-            </a:pPr>
-            <a:endParaRPr b="1" i="1" dirty="0">
-              <a:solidFill>
-                <a:schemeClr val="bg1"/>
-              </a:solidFill>
-            </a:endParaRPr>
-          </a:p>
-          <a:p>
-            <a:pPr marL="0" lvl="0" indent="0" algn="just" rtl="0">
-              <a:spcBef>
-                <a:spcPts val="0"/>
-              </a:spcBef>
-              <a:spcAft>
-                <a:spcPts val="0"/>
-              </a:spcAft>
-              <a:buClr>
-                <a:schemeClr val="dk1"/>
-              </a:buClr>
-              <a:buSzPct val="61111"/>
-              <a:buFont typeface="Arial"/>
-              <a:buNone/>
-            </a:pPr>
-            <a:r>
-              <a:rPr lang="es-419" b="1" i="1" dirty="0">
-                <a:solidFill>
-                  <a:schemeClr val="bg1"/>
-                </a:solidFill>
-              </a:rPr>
-              <a:t>x = 1</a:t>
-            </a:r>
-            <a:endParaRPr b="1" i="1" dirty="0">
-              <a:solidFill>
-                <a:schemeClr val="bg1"/>
-              </a:solidFill>
-            </a:endParaRPr>
-          </a:p>
-          <a:p>
-            <a:pPr marL="0" lvl="0" indent="0" algn="just" rtl="0">
-              <a:spcBef>
-                <a:spcPts val="0"/>
-              </a:spcBef>
-              <a:spcAft>
-                <a:spcPts val="0"/>
-              </a:spcAft>
-              <a:buClr>
-                <a:schemeClr val="dk1"/>
-              </a:buClr>
-              <a:buSzPct val="61111"/>
-              <a:buFont typeface="Arial"/>
-              <a:buNone/>
-            </a:pPr>
-            <a:r>
-              <a:rPr lang="es-419" b="1" i="1" dirty="0">
-                <a:solidFill>
-                  <a:schemeClr val="bg1"/>
-                </a:solidFill>
-              </a:rPr>
-              <a:t>y = x</a:t>
-            </a:r>
-            <a:endParaRPr b="1" i="1" dirty="0">
-              <a:solidFill>
-                <a:schemeClr val="bg1"/>
-              </a:solidFill>
-            </a:endParaRPr>
-          </a:p>
-          <a:p>
-            <a:pPr marL="0" lvl="0" indent="0" algn="just" rtl="0">
-              <a:spcBef>
-                <a:spcPts val="0"/>
-              </a:spcBef>
-              <a:spcAft>
-                <a:spcPts val="0"/>
-              </a:spcAft>
-              <a:buClr>
-                <a:schemeClr val="dk1"/>
-              </a:buClr>
-              <a:buSzPct val="61111"/>
-              <a:buFont typeface="Arial"/>
-              <a:buNone/>
-            </a:pPr>
-            <a:r>
-              <a:rPr lang="es-419" b="1" i="1" dirty="0">
-                <a:solidFill>
-                  <a:schemeClr val="bg1"/>
-                </a:solidFill>
-              </a:rPr>
-              <a:t>z = y</a:t>
-            </a:r>
-            <a:endParaRPr b="1" i="1" dirty="0">
-              <a:solidFill>
-                <a:schemeClr val="bg1"/>
-              </a:solidFill>
-            </a:endParaRPr>
-          </a:p>
-          <a:p>
-            <a:pPr marL="0" lvl="0" indent="0" algn="just" rtl="0">
-              <a:spcBef>
-                <a:spcPts val="0"/>
-              </a:spcBef>
-              <a:spcAft>
-                <a:spcPts val="0"/>
-              </a:spcAft>
-              <a:buClr>
-                <a:schemeClr val="dk1"/>
-              </a:buClr>
-              <a:buSzPct val="61111"/>
-              <a:buFont typeface="Arial"/>
-              <a:buNone/>
-            </a:pPr>
-            <a:r>
-              <a:rPr lang="es-419" b="1" i="1" dirty="0" err="1">
-                <a:solidFill>
-                  <a:schemeClr val="bg1"/>
-                </a:solidFill>
-              </a:rPr>
-              <a:t>print</a:t>
-            </a:r>
-            <a:r>
-              <a:rPr lang="es-419" b="1" i="1" dirty="0">
-                <a:solidFill>
-                  <a:schemeClr val="bg1"/>
-                </a:solidFill>
-              </a:rPr>
-              <a:t> z </a:t>
-            </a:r>
-            <a:r>
-              <a:rPr lang="es-419" b="1" i="1" dirty="0" err="1">
-                <a:solidFill>
-                  <a:schemeClr val="bg1"/>
-                </a:solidFill>
-              </a:rPr>
-              <a:t>is</a:t>
-            </a:r>
-            <a:r>
-              <a:rPr lang="es-419" b="1" i="1" dirty="0">
-                <a:solidFill>
-                  <a:schemeClr val="bg1"/>
-                </a:solidFill>
-              </a:rPr>
-              <a:t> 1 # muestra True</a:t>
-            </a:r>
-            <a:endParaRPr b="1" i="1" dirty="0">
-              <a:solidFill>
-                <a:schemeClr val="bg1"/>
-              </a:solidFill>
-            </a:endParaRPr>
-          </a:p>
-          <a:p>
-            <a:pPr marL="0" lvl="0" indent="0" algn="just" rtl="0">
-              <a:spcBef>
-                <a:spcPts val="0"/>
-              </a:spcBef>
-              <a:spcAft>
-                <a:spcPts val="0"/>
-              </a:spcAft>
-              <a:buClr>
-                <a:schemeClr val="dk1"/>
-              </a:buClr>
-              <a:buSzPct val="61111"/>
-              <a:buFont typeface="Arial"/>
-              <a:buNone/>
-            </a:pPr>
-            <a:r>
-              <a:rPr lang="es-419" b="1" i="1" dirty="0" err="1">
-                <a:solidFill>
-                  <a:schemeClr val="bg1"/>
-                </a:solidFill>
-              </a:rPr>
-              <a:t>print</a:t>
-            </a:r>
-            <a:r>
-              <a:rPr lang="es-419" b="1" i="1" dirty="0">
-                <a:solidFill>
-                  <a:schemeClr val="bg1"/>
-                </a:solidFill>
-              </a:rPr>
-              <a:t> z </a:t>
-            </a:r>
-            <a:r>
-              <a:rPr lang="es-419" b="1" i="1" dirty="0" err="1">
-                <a:solidFill>
-                  <a:schemeClr val="bg1"/>
-                </a:solidFill>
-              </a:rPr>
-              <a:t>is</a:t>
-            </a:r>
-            <a:r>
-              <a:rPr lang="es-419" b="1" i="1" dirty="0">
-                <a:solidFill>
-                  <a:schemeClr val="bg1"/>
-                </a:solidFill>
-              </a:rPr>
-              <a:t> x # muestra True</a:t>
-            </a:r>
-            <a:endParaRPr b="1" i="1" dirty="0">
-              <a:solidFill>
-                <a:schemeClr val="bg1"/>
-              </a:solidFill>
-            </a:endParaRPr>
-          </a:p>
-          <a:p>
-            <a:pPr marL="0" lvl="0" indent="0" algn="just" rtl="0">
-              <a:spcBef>
-                <a:spcPts val="0"/>
-              </a:spcBef>
-              <a:spcAft>
-                <a:spcPts val="0"/>
-              </a:spcAft>
-              <a:buClr>
-                <a:schemeClr val="dk1"/>
-              </a:buClr>
-              <a:buSzPct val="61111"/>
-              <a:buFont typeface="Arial"/>
-              <a:buNone/>
-            </a:pPr>
-            <a:endParaRPr b="1" i="1" dirty="0">
-              <a:solidFill>
-                <a:schemeClr val="bg1"/>
-              </a:solidFill>
-            </a:endParaRPr>
-          </a:p>
-          <a:p>
-            <a:pPr marL="0" lvl="0" indent="0" algn="just" rtl="0">
-              <a:spcBef>
-                <a:spcPts val="0"/>
-              </a:spcBef>
-              <a:spcAft>
-                <a:spcPts val="0"/>
-              </a:spcAft>
-              <a:buClr>
-                <a:schemeClr val="dk1"/>
-              </a:buClr>
-              <a:buSzPct val="61111"/>
-              <a:buFont typeface="Arial"/>
-              <a:buNone/>
-            </a:pPr>
-            <a:r>
-              <a:rPr lang="es-419" b="1" i="1" dirty="0">
-                <a:solidFill>
-                  <a:schemeClr val="bg1"/>
-                </a:solidFill>
-              </a:rPr>
-              <a:t>str1 = "</a:t>
-            </a:r>
-            <a:r>
-              <a:rPr lang="es-419" b="1" i="1" dirty="0" err="1">
-                <a:solidFill>
-                  <a:schemeClr val="bg1"/>
-                </a:solidFill>
-              </a:rPr>
-              <a:t>FreeCodeCamp</a:t>
-            </a:r>
-            <a:r>
-              <a:rPr lang="es-419" b="1" i="1" dirty="0">
-                <a:solidFill>
-                  <a:schemeClr val="bg1"/>
-                </a:solidFill>
-              </a:rPr>
-              <a:t>"</a:t>
-            </a:r>
-            <a:endParaRPr b="1" i="1" dirty="0">
-              <a:solidFill>
-                <a:schemeClr val="bg1"/>
-              </a:solidFill>
-            </a:endParaRPr>
-          </a:p>
-          <a:p>
-            <a:pPr marL="0" lvl="0" indent="0" algn="just" rtl="0">
-              <a:spcBef>
-                <a:spcPts val="0"/>
-              </a:spcBef>
-              <a:spcAft>
-                <a:spcPts val="0"/>
-              </a:spcAft>
-              <a:buClr>
-                <a:schemeClr val="dk1"/>
-              </a:buClr>
-              <a:buSzPct val="61111"/>
-              <a:buFont typeface="Arial"/>
-              <a:buNone/>
-            </a:pPr>
-            <a:r>
-              <a:rPr lang="es-419" b="1" i="1" dirty="0">
-                <a:solidFill>
-                  <a:schemeClr val="bg1"/>
-                </a:solidFill>
-              </a:rPr>
-              <a:t>str2 = "</a:t>
-            </a:r>
-            <a:r>
-              <a:rPr lang="es-419" b="1" i="1" dirty="0" err="1">
-                <a:solidFill>
-                  <a:schemeClr val="bg1"/>
-                </a:solidFill>
-              </a:rPr>
-              <a:t>FreeCodeCamp</a:t>
-            </a:r>
-            <a:r>
-              <a:rPr lang="es-419" b="1" i="1" dirty="0">
-                <a:solidFill>
-                  <a:schemeClr val="bg1"/>
-                </a:solidFill>
-              </a:rPr>
-              <a:t>"</a:t>
-            </a:r>
-            <a:endParaRPr b="1" i="1" dirty="0">
-              <a:solidFill>
-                <a:schemeClr val="bg1"/>
-              </a:solidFill>
-            </a:endParaRPr>
-          </a:p>
-          <a:p>
-            <a:pPr marL="0" lvl="0" indent="0" algn="just" rtl="0">
-              <a:spcBef>
-                <a:spcPts val="0"/>
-              </a:spcBef>
-              <a:spcAft>
-                <a:spcPts val="0"/>
-              </a:spcAft>
-              <a:buClr>
-                <a:schemeClr val="dk1"/>
-              </a:buClr>
-              <a:buSzPct val="61111"/>
-              <a:buFont typeface="Arial"/>
-              <a:buNone/>
-            </a:pPr>
-            <a:r>
-              <a:rPr lang="es-419" b="1" i="1" dirty="0" err="1">
-                <a:solidFill>
-                  <a:schemeClr val="bg1"/>
-                </a:solidFill>
-              </a:rPr>
-              <a:t>print</a:t>
-            </a:r>
-            <a:r>
-              <a:rPr lang="es-419" b="1" i="1" dirty="0">
-                <a:solidFill>
-                  <a:schemeClr val="bg1"/>
-                </a:solidFill>
-              </a:rPr>
-              <a:t> str1 </a:t>
-            </a:r>
-            <a:r>
-              <a:rPr lang="es-419" b="1" i="1" dirty="0" err="1">
-                <a:solidFill>
-                  <a:schemeClr val="bg1"/>
-                </a:solidFill>
-              </a:rPr>
-              <a:t>is</a:t>
-            </a:r>
-            <a:r>
-              <a:rPr lang="es-419" b="1" i="1" dirty="0">
-                <a:solidFill>
-                  <a:schemeClr val="bg1"/>
-                </a:solidFill>
-              </a:rPr>
-              <a:t> str2 # muestra True</a:t>
-            </a:r>
-            <a:endParaRPr b="1" i="1" dirty="0">
-              <a:solidFill>
-                <a:schemeClr val="bg1"/>
-              </a:solidFill>
-            </a:endParaRPr>
-          </a:p>
-          <a:p>
-            <a:pPr marL="0" lvl="0" indent="0" algn="just" rtl="0">
-              <a:spcBef>
-                <a:spcPts val="0"/>
-              </a:spcBef>
-              <a:spcAft>
-                <a:spcPts val="0"/>
-              </a:spcAft>
-              <a:buClr>
-                <a:schemeClr val="dk1"/>
-              </a:buClr>
-              <a:buSzPct val="61111"/>
-              <a:buFont typeface="Arial"/>
-              <a:buNone/>
-            </a:pPr>
-            <a:r>
-              <a:rPr lang="es-419" b="1" i="1" dirty="0" err="1">
-                <a:solidFill>
-                  <a:schemeClr val="bg1"/>
-                </a:solidFill>
-              </a:rPr>
-              <a:t>print</a:t>
-            </a:r>
-            <a:r>
-              <a:rPr lang="es-419" b="1" i="1" dirty="0">
-                <a:solidFill>
-                  <a:schemeClr val="bg1"/>
-                </a:solidFill>
-              </a:rPr>
-              <a:t> "</a:t>
-            </a:r>
-            <a:r>
-              <a:rPr lang="es-419" b="1" i="1" dirty="0" err="1">
-                <a:solidFill>
-                  <a:schemeClr val="bg1"/>
-                </a:solidFill>
-              </a:rPr>
-              <a:t>Code</a:t>
-            </a:r>
-            <a:r>
-              <a:rPr lang="es-419" b="1" i="1" dirty="0">
-                <a:solidFill>
-                  <a:schemeClr val="bg1"/>
-                </a:solidFill>
-              </a:rPr>
-              <a:t>" </a:t>
-            </a:r>
-            <a:r>
-              <a:rPr lang="es-419" b="1" i="1" dirty="0" err="1">
-                <a:solidFill>
-                  <a:schemeClr val="bg1"/>
-                </a:solidFill>
-              </a:rPr>
-              <a:t>is</a:t>
-            </a:r>
-            <a:r>
-              <a:rPr lang="es-419" b="1" i="1" dirty="0">
-                <a:solidFill>
-                  <a:schemeClr val="bg1"/>
-                </a:solidFill>
-              </a:rPr>
-              <a:t> str2 # muestra False</a:t>
+              <a:t>Ten en cuenta que dos valores, cuando son iguales, no implica necesariamente que sean </a:t>
+            </a:r>
+            <a:r>
+              <a:rPr lang="es-419">
+                <a:solidFill>
+                  <a:schemeClr val="bg1"/>
+                </a:solidFill>
+              </a:rPr>
+              <a:t>idénticos</a:t>
+            </a:r>
+            <a:r>
+              <a:rPr lang="es-419" smtClean="0">
+                <a:solidFill>
+                  <a:schemeClr val="bg1"/>
+                </a:solidFill>
+              </a:rPr>
+              <a:t>.</a:t>
             </a:r>
             <a:endParaRPr dirty="0">
               <a:solidFill>
